--- a/Lecture 5.pptx
+++ b/Lecture 5.pptx
@@ -5,13 +5,14 @@
     <p:sldMasterId id="2147483648" r:id="rId4"/>
   </p:sldMasterIdLst>
   <p:notesMasterIdLst>
-    <p:notesMasterId r:id="rId9"/>
+    <p:notesMasterId r:id="rId10"/>
   </p:notesMasterIdLst>
   <p:sldIdLst>
     <p:sldId id="256" r:id="rId5"/>
-    <p:sldId id="259" r:id="rId6"/>
-    <p:sldId id="257" r:id="rId7"/>
-    <p:sldId id="258" r:id="rId8"/>
+    <p:sldId id="260" r:id="rId6"/>
+    <p:sldId id="259" r:id="rId7"/>
+    <p:sldId id="257" r:id="rId8"/>
+    <p:sldId id="258" r:id="rId9"/>
   </p:sldIdLst>
   <p:sldSz cx="12192000" cy="6858000"/>
   <p:notesSz cx="6858000" cy="9144000"/>
@@ -142,7 +143,7 @@
   <pc:docChgLst>
     <pc:chgData name="Arne Dankers" userId="e0ddac36-763f-4e0b-9044-4de78ae09385" providerId="ADAL" clId="{930E4EEA-653C-4D78-B03A-F3585A18F0C6}"/>
     <pc:docChg chg="custSel addSld modSld sldOrd">
-      <pc:chgData name="Arne Dankers" userId="e0ddac36-763f-4e0b-9044-4de78ae09385" providerId="ADAL" clId="{930E4EEA-653C-4D78-B03A-F3585A18F0C6}" dt="2024-01-17T16:33:58.591" v="167" actId="14100"/>
+      <pc:chgData name="Arne Dankers" userId="e0ddac36-763f-4e0b-9044-4de78ae09385" providerId="ADAL" clId="{930E4EEA-653C-4D78-B03A-F3585A18F0C6}" dt="2024-01-17T16:45:38.615" v="287" actId="20577"/>
       <pc:docMkLst>
         <pc:docMk/>
       </pc:docMkLst>
@@ -215,6 +216,29 @@
             <ac:cxnSpMk id="9" creationId="{48374E65-D6D9-E132-74F8-51DB72185359}"/>
           </ac:cxnSpMkLst>
         </pc:cxnChg>
+      </pc:sldChg>
+      <pc:sldChg chg="modSp new mod">
+        <pc:chgData name="Arne Dankers" userId="e0ddac36-763f-4e0b-9044-4de78ae09385" providerId="ADAL" clId="{930E4EEA-653C-4D78-B03A-F3585A18F0C6}" dt="2024-01-17T16:45:38.615" v="287" actId="20577"/>
+        <pc:sldMkLst>
+          <pc:docMk/>
+          <pc:sldMk cId="744013551" sldId="260"/>
+        </pc:sldMkLst>
+        <pc:spChg chg="mod">
+          <ac:chgData name="Arne Dankers" userId="e0ddac36-763f-4e0b-9044-4de78ae09385" providerId="ADAL" clId="{930E4EEA-653C-4D78-B03A-F3585A18F0C6}" dt="2024-01-17T16:45:12.126" v="200" actId="20577"/>
+          <ac:spMkLst>
+            <pc:docMk/>
+            <pc:sldMk cId="744013551" sldId="260"/>
+            <ac:spMk id="2" creationId="{03870587-CFA6-2439-D92D-506A62243C1E}"/>
+          </ac:spMkLst>
+        </pc:spChg>
+        <pc:spChg chg="mod">
+          <ac:chgData name="Arne Dankers" userId="e0ddac36-763f-4e0b-9044-4de78ae09385" providerId="ADAL" clId="{930E4EEA-653C-4D78-B03A-F3585A18F0C6}" dt="2024-01-17T16:45:38.615" v="287" actId="20577"/>
+          <ac:spMkLst>
+            <pc:docMk/>
+            <pc:sldMk cId="744013551" sldId="260"/>
+            <ac:spMk id="3" creationId="{534A745D-6181-F1A0-BB78-ACD679C17C50}"/>
+          </ac:spMkLst>
+        </pc:spChg>
       </pc:sldChg>
     </pc:docChg>
   </pc:docChgLst>
@@ -2726,6 +2750,122 @@
           <p:cNvPr id="2" name="Title 1">
             <a:extLst>
               <a:ext uri="{FF2B5EF4-FFF2-40B4-BE49-F238E27FC236}">
+                <a16:creationId xmlns:a16="http://schemas.microsoft.com/office/drawing/2014/main" id="{03870587-CFA6-2439-D92D-506A62243C1E}"/>
+              </a:ext>
+            </a:extLst>
+          </p:cNvPr>
+          <p:cNvSpPr>
+            <a:spLocks noGrp="1"/>
+          </p:cNvSpPr>
+          <p:nvPr>
+            <p:ph type="title"/>
+          </p:nvPr>
+        </p:nvSpPr>
+        <p:spPr/>
+        <p:txBody>
+          <a:bodyPr/>
+          <a:lstStyle/>
+          <a:p>
+            <a:r>
+              <a:rPr lang="en-CA" dirty="0"/>
+              <a:t>Lecture notes on Git and D2L</a:t>
+            </a:r>
+          </a:p>
+        </p:txBody>
+      </p:sp>
+      <p:sp>
+        <p:nvSpPr>
+          <p:cNvPr id="3" name="Content Placeholder 2">
+            <a:extLst>
+              <a:ext uri="{FF2B5EF4-FFF2-40B4-BE49-F238E27FC236}">
+                <a16:creationId xmlns:a16="http://schemas.microsoft.com/office/drawing/2014/main" id="{534A745D-6181-F1A0-BB78-ACD679C17C50}"/>
+              </a:ext>
+            </a:extLst>
+          </p:cNvPr>
+          <p:cNvSpPr>
+            <a:spLocks noGrp="1"/>
+          </p:cNvSpPr>
+          <p:nvPr>
+            <p:ph idx="1"/>
+          </p:nvPr>
+        </p:nvSpPr>
+        <p:spPr/>
+        <p:txBody>
+          <a:bodyPr/>
+          <a:lstStyle/>
+          <a:p>
+            <a:r>
+              <a:rPr lang="en-CA" dirty="0"/>
+              <a:t>On D2L – all files, except videos are in a .zip file called Unit1.zip.</a:t>
+            </a:r>
+          </a:p>
+        </p:txBody>
+      </p:sp>
+      <p:sp>
+        <p:nvSpPr>
+          <p:cNvPr id="4" name="Slide Number Placeholder 3">
+            <a:extLst>
+              <a:ext uri="{FF2B5EF4-FFF2-40B4-BE49-F238E27FC236}">
+                <a16:creationId xmlns:a16="http://schemas.microsoft.com/office/drawing/2014/main" id="{21DD2336-060A-13E6-AAB5-F0E6827461FF}"/>
+              </a:ext>
+            </a:extLst>
+          </p:cNvPr>
+          <p:cNvSpPr>
+            <a:spLocks noGrp="1"/>
+          </p:cNvSpPr>
+          <p:nvPr>
+            <p:ph type="sldNum" sz="quarter" idx="12"/>
+          </p:nvPr>
+        </p:nvSpPr>
+        <p:spPr/>
+        <p:txBody>
+          <a:bodyPr/>
+          <a:lstStyle/>
+          <a:p>
+            <a:fld id="{5C35FCF4-C3EF-BD43-82E0-05BC237DAD2A}" type="slidenum">
+              <a:rPr lang="en-US" smtClean="0"/>
+              <a:pPr/>
+              <a:t>2</a:t>
+            </a:fld>
+            <a:endParaRPr lang="en-US" dirty="0"/>
+          </a:p>
+        </p:txBody>
+      </p:sp>
+    </p:spTree>
+    <p:extLst>
+      <p:ext uri="{BB962C8B-B14F-4D97-AF65-F5344CB8AC3E}">
+        <p14:creationId xmlns:p14="http://schemas.microsoft.com/office/powerpoint/2010/main" val="744013551"/>
+      </p:ext>
+    </p:extLst>
+  </p:cSld>
+  <p:clrMapOvr>
+    <a:masterClrMapping/>
+  </p:clrMapOvr>
+</p:sld>
+</file>
+
+<file path=ppt/slides/slide3.xml><?xml version="1.0" encoding="utf-8"?>
+<p:sld xmlns:a="http://schemas.openxmlformats.org/drawingml/2006/main" xmlns:r="http://schemas.openxmlformats.org/officeDocument/2006/relationships" xmlns:p="http://schemas.openxmlformats.org/presentationml/2006/main">
+  <p:cSld>
+    <p:spTree>
+      <p:nvGrpSpPr>
+        <p:cNvPr id="1" name=""/>
+        <p:cNvGrpSpPr/>
+        <p:nvPr/>
+      </p:nvGrpSpPr>
+      <p:grpSpPr>
+        <a:xfrm>
+          <a:off x="0" y="0"/>
+          <a:ext cx="0" cy="0"/>
+          <a:chOff x="0" y="0"/>
+          <a:chExt cx="0" cy="0"/>
+        </a:xfrm>
+      </p:grpSpPr>
+      <p:sp>
+        <p:nvSpPr>
+          <p:cNvPr id="2" name="Title 1">
+            <a:extLst>
+              <a:ext uri="{FF2B5EF4-FFF2-40B4-BE49-F238E27FC236}">
                 <a16:creationId xmlns:a16="http://schemas.microsoft.com/office/drawing/2014/main" id="{319A4C6E-FF65-7D4D-DC2A-03B77615FA3D}"/>
               </a:ext>
             </a:extLst>
@@ -2802,7 +2942,7 @@
             <a:fld id="{5C35FCF4-C3EF-BD43-82E0-05BC237DAD2A}" type="slidenum">
               <a:rPr lang="en-US" smtClean="0"/>
               <a:pPr/>
-              <a:t>2</a:t>
+              <a:t>3</a:t>
             </a:fld>
             <a:endParaRPr lang="en-US" dirty="0"/>
           </a:p>
@@ -2897,7 +3037,7 @@
 </p:sld>
 </file>
 
-<file path=ppt/slides/slide3.xml><?xml version="1.0" encoding="utf-8"?>
+<file path=ppt/slides/slide4.xml><?xml version="1.0" encoding="utf-8"?>
 <p:sld xmlns:a="http://schemas.openxmlformats.org/drawingml/2006/main" xmlns:r="http://schemas.openxmlformats.org/officeDocument/2006/relationships" xmlns:p="http://schemas.openxmlformats.org/presentationml/2006/main">
   <p:cSld>
     <p:spTree>
@@ -3182,7 +3322,7 @@
             <a:fld id="{5C35FCF4-C3EF-BD43-82E0-05BC237DAD2A}" type="slidenum">
               <a:rPr lang="en-US" smtClean="0"/>
               <a:pPr/>
-              <a:t>3</a:t>
+              <a:t>4</a:t>
             </a:fld>
             <a:endParaRPr lang="en-US" dirty="0"/>
           </a:p>
@@ -3201,7 +3341,7 @@
 </p:sld>
 </file>
 
-<file path=ppt/slides/slide4.xml><?xml version="1.0" encoding="utf-8"?>
+<file path=ppt/slides/slide5.xml><?xml version="1.0" encoding="utf-8"?>
 <p:sld xmlns:a="http://schemas.openxmlformats.org/drawingml/2006/main" xmlns:r="http://schemas.openxmlformats.org/officeDocument/2006/relationships" xmlns:p="http://schemas.openxmlformats.org/presentationml/2006/main">
   <p:cSld>
     <p:spTree>
@@ -3299,7 +3439,7 @@
             <a:fld id="{5C35FCF4-C3EF-BD43-82E0-05BC237DAD2A}" type="slidenum">
               <a:rPr lang="en-US" smtClean="0"/>
               <a:pPr/>
-              <a:t>4</a:t>
+              <a:t>5</a:t>
             </a:fld>
             <a:endParaRPr lang="en-US" dirty="0"/>
           </a:p>
@@ -3944,6 +4084,15 @@
 </file>
 
 <file path=customXml/item1.xml><?xml version="1.0" encoding="utf-8"?>
+<?mso-contentType ?>
+<FormTemplates xmlns="http://schemas.microsoft.com/sharepoint/v3/contenttype/forms">
+  <Display>DocumentLibraryForm</Display>
+  <Edit>DocumentLibraryForm</Edit>
+  <New>DocumentLibraryForm</New>
+</FormTemplates>
+</file>
+
+<file path=customXml/item2.xml><?xml version="1.0" encoding="utf-8"?>
 <p:properties xmlns:p="http://schemas.microsoft.com/office/2006/metadata/properties" xmlns:xsi="http://www.w3.org/2001/XMLSchema-instance" xmlns:pc="http://schemas.microsoft.com/office/infopath/2007/PartnerControls">
   <documentManagement>
     <SharedWithUsers xmlns="7a4191d5-9b76-4ae3-8401-87ceee92a846">
@@ -3960,15 +4109,6 @@
     </SharedWithUsers>
   </documentManagement>
 </p:properties>
-</file>
-
-<file path=customXml/item2.xml><?xml version="1.0" encoding="utf-8"?>
-<?mso-contentType ?>
-<FormTemplates xmlns="http://schemas.microsoft.com/sharepoint/v3/contenttype/forms">
-  <Display>DocumentLibraryForm</Display>
-  <Edit>DocumentLibraryForm</Edit>
-  <New>DocumentLibraryForm</New>
-</FormTemplates>
 </file>
 
 <file path=customXml/item3.xml><?xml version="1.0" encoding="utf-8"?>
@@ -4149,19 +4289,19 @@
 </file>
 
 <file path=customXml/itemProps1.xml><?xml version="1.0" encoding="utf-8"?>
+<ds:datastoreItem xmlns:ds="http://schemas.openxmlformats.org/officeDocument/2006/customXml" ds:itemID="{D6138259-B6CD-44D7-A052-3E3A39B4F678}">
+  <ds:schemaRefs>
+    <ds:schemaRef ds:uri="http://schemas.microsoft.com/sharepoint/v3/contenttype/forms"/>
+  </ds:schemaRefs>
+</ds:datastoreItem>
+</file>
+
+<file path=customXml/itemProps2.xml><?xml version="1.0" encoding="utf-8"?>
 <ds:datastoreItem xmlns:ds="http://schemas.openxmlformats.org/officeDocument/2006/customXml" ds:itemID="{299568D1-9CD6-4DD2-BE7F-4D4E9CED01FA}">
   <ds:schemaRefs>
     <ds:schemaRef ds:uri="http://schemas.microsoft.com/office/2006/metadata/properties"/>
     <ds:schemaRef ds:uri="http://schemas.microsoft.com/office/infopath/2007/PartnerControls"/>
     <ds:schemaRef ds:uri="7a4191d5-9b76-4ae3-8401-87ceee92a846"/>
-  </ds:schemaRefs>
-</ds:datastoreItem>
-</file>
-
-<file path=customXml/itemProps2.xml><?xml version="1.0" encoding="utf-8"?>
-<ds:datastoreItem xmlns:ds="http://schemas.openxmlformats.org/officeDocument/2006/customXml" ds:itemID="{D6138259-B6CD-44D7-A052-3E3A39B4F678}">
-  <ds:schemaRefs>
-    <ds:schemaRef ds:uri="http://schemas.microsoft.com/sharepoint/v3/contenttype/forms"/>
   </ds:schemaRefs>
 </ds:datastoreItem>
 </file>
